--- a/ДаниловЕП_ЗиновьевИС_SAS/Лаб1/Презентация.pptx
+++ b/ДаниловЕП_ЗиновьевИС_SAS/Лаб1/Презентация.pptx
@@ -111,6 +111,11 @@
       </a:defRPr>
     </a:lvl9pPr>
   </p:defaultTextStyle>
+  <p:extLst>
+    <p:ext uri="{EFAFB233-063F-42B5-8137-9DF3F51BA10A}">
+      <p15:sldGuideLst xmlns:p15="http://schemas.microsoft.com/office/powerpoint/2012/main"/>
+    </p:ext>
+  </p:extLst>
 </p:presentation>
 </file>
 
@@ -245,7 +250,7 @@
           <a:p>
             <a:fld id="{56067612-7A79-4018-B3B7-9B4D1CADBC43}" type="datetimeFigureOut">
               <a:rPr lang="ru-RU" smtClean="0"/>
-              <a:t>22.12.2024</a:t>
+              <a:t>25.12.2024</a:t>
             </a:fld>
             <a:endParaRPr lang="ru-RU"/>
           </a:p>
@@ -415,7 +420,7 @@
           <a:p>
             <a:fld id="{56067612-7A79-4018-B3B7-9B4D1CADBC43}" type="datetimeFigureOut">
               <a:rPr lang="ru-RU" smtClean="0"/>
-              <a:t>22.12.2024</a:t>
+              <a:t>25.12.2024</a:t>
             </a:fld>
             <a:endParaRPr lang="ru-RU"/>
           </a:p>
@@ -595,7 +600,7 @@
           <a:p>
             <a:fld id="{56067612-7A79-4018-B3B7-9B4D1CADBC43}" type="datetimeFigureOut">
               <a:rPr lang="ru-RU" smtClean="0"/>
-              <a:t>22.12.2024</a:t>
+              <a:t>25.12.2024</a:t>
             </a:fld>
             <a:endParaRPr lang="ru-RU"/>
           </a:p>
@@ -765,7 +770,7 @@
           <a:p>
             <a:fld id="{56067612-7A79-4018-B3B7-9B4D1CADBC43}" type="datetimeFigureOut">
               <a:rPr lang="ru-RU" smtClean="0"/>
-              <a:t>22.12.2024</a:t>
+              <a:t>25.12.2024</a:t>
             </a:fld>
             <a:endParaRPr lang="ru-RU"/>
           </a:p>
@@ -1011,7 +1016,7 @@
           <a:p>
             <a:fld id="{56067612-7A79-4018-B3B7-9B4D1CADBC43}" type="datetimeFigureOut">
               <a:rPr lang="ru-RU" smtClean="0"/>
-              <a:t>22.12.2024</a:t>
+              <a:t>25.12.2024</a:t>
             </a:fld>
             <a:endParaRPr lang="ru-RU"/>
           </a:p>
@@ -1243,7 +1248,7 @@
           <a:p>
             <a:fld id="{56067612-7A79-4018-B3B7-9B4D1CADBC43}" type="datetimeFigureOut">
               <a:rPr lang="ru-RU" smtClean="0"/>
-              <a:t>22.12.2024</a:t>
+              <a:t>25.12.2024</a:t>
             </a:fld>
             <a:endParaRPr lang="ru-RU"/>
           </a:p>
@@ -1610,7 +1615,7 @@
           <a:p>
             <a:fld id="{56067612-7A79-4018-B3B7-9B4D1CADBC43}" type="datetimeFigureOut">
               <a:rPr lang="ru-RU" smtClean="0"/>
-              <a:t>22.12.2024</a:t>
+              <a:t>25.12.2024</a:t>
             </a:fld>
             <a:endParaRPr lang="ru-RU"/>
           </a:p>
@@ -1728,7 +1733,7 @@
           <a:p>
             <a:fld id="{56067612-7A79-4018-B3B7-9B4D1CADBC43}" type="datetimeFigureOut">
               <a:rPr lang="ru-RU" smtClean="0"/>
-              <a:t>22.12.2024</a:t>
+              <a:t>25.12.2024</a:t>
             </a:fld>
             <a:endParaRPr lang="ru-RU"/>
           </a:p>
@@ -1823,7 +1828,7 @@
           <a:p>
             <a:fld id="{56067612-7A79-4018-B3B7-9B4D1CADBC43}" type="datetimeFigureOut">
               <a:rPr lang="ru-RU" smtClean="0"/>
-              <a:t>22.12.2024</a:t>
+              <a:t>25.12.2024</a:t>
             </a:fld>
             <a:endParaRPr lang="ru-RU"/>
           </a:p>
@@ -2100,7 +2105,7 @@
           <a:p>
             <a:fld id="{56067612-7A79-4018-B3B7-9B4D1CADBC43}" type="datetimeFigureOut">
               <a:rPr lang="ru-RU" smtClean="0"/>
-              <a:t>22.12.2024</a:t>
+              <a:t>25.12.2024</a:t>
             </a:fld>
             <a:endParaRPr lang="ru-RU"/>
           </a:p>
@@ -2353,7 +2358,7 @@
           <a:p>
             <a:fld id="{56067612-7A79-4018-B3B7-9B4D1CADBC43}" type="datetimeFigureOut">
               <a:rPr lang="ru-RU" smtClean="0"/>
-              <a:t>22.12.2024</a:t>
+              <a:t>25.12.2024</a:t>
             </a:fld>
             <a:endParaRPr lang="ru-RU"/>
           </a:p>
@@ -2566,7 +2571,7 @@
           <a:p>
             <a:fld id="{56067612-7A79-4018-B3B7-9B4D1CADBC43}" type="datetimeFigureOut">
               <a:rPr lang="ru-RU" smtClean="0"/>
-              <a:t>22.12.2024</a:t>
+              <a:t>25.12.2024</a:t>
             </a:fld>
             <a:endParaRPr lang="ru-RU"/>
           </a:p>
@@ -3806,7 +3811,15 @@
             </a:pPr>
             <a:r>
               <a:rPr lang="ru-RU" dirty="0" smtClean="0"/>
-              <a:t>Команда проекта состоит из одного разработчика, имеющего следующие компетенции:</a:t>
+              <a:t>Команда проекта состоит из </a:t>
+            </a:r>
+            <a:r>
+              <a:rPr lang="ru-RU" dirty="0" smtClean="0"/>
+              <a:t>двух разработчиков, имеющих </a:t>
+            </a:r>
+            <a:r>
+              <a:rPr lang="ru-RU" dirty="0" smtClean="0"/>
+              <a:t>следующие компетенции:</a:t>
             </a:r>
           </a:p>
           <a:p>
@@ -3844,6 +3857,35 @@
             <a:r>
               <a:rPr lang="ru-RU" dirty="0" smtClean="0"/>
               <a:t>более 1 года</a:t>
+            </a:r>
+            <a:r>
+              <a:rPr lang="en-US" dirty="0" smtClean="0"/>
+              <a:t>)</a:t>
+            </a:r>
+            <a:endParaRPr lang="ru-RU" dirty="0" smtClean="0"/>
+          </a:p>
+          <a:p>
+            <a:r>
+              <a:rPr lang="en-US" dirty="0" smtClean="0"/>
+              <a:t>C++(</a:t>
+            </a:r>
+            <a:r>
+              <a:rPr lang="ru-RU" dirty="0" smtClean="0"/>
+              <a:t>меньше 1 года</a:t>
+            </a:r>
+            <a:r>
+              <a:rPr lang="en-US" dirty="0" smtClean="0"/>
+              <a:t>)</a:t>
+            </a:r>
+          </a:p>
+          <a:p>
+            <a:r>
+              <a:rPr lang="en-US" dirty="0" smtClean="0"/>
+              <a:t>Python(</a:t>
+            </a:r>
+            <a:r>
+              <a:rPr lang="ru-RU" dirty="0" smtClean="0"/>
+              <a:t>меньше 1 года</a:t>
             </a:r>
             <a:r>
               <a:rPr lang="en-US" dirty="0" smtClean="0"/>
